--- a/ppt/基礎篇3_元素的基礎操作.pptx
+++ b/ppt/基礎篇3_元素的基礎操作.pptx
@@ -303,7 +303,7 @@
           <a:p>
             <a:fld id="{9449D47F-9350-4D75-8BE7-C25999CDD34D}" type="datetimeFigureOut">
               <a:rPr lang="zh-TW" altLang="en-US" smtClean="0"/>
-              <a:t>2023/8/20</a:t>
+              <a:t>2023/9/20</a:t>
             </a:fld>
             <a:endParaRPr lang="zh-TW" altLang="en-US"/>
           </a:p>
@@ -501,7 +501,7 @@
           <a:p>
             <a:fld id="{9449D47F-9350-4D75-8BE7-C25999CDD34D}" type="datetimeFigureOut">
               <a:rPr lang="zh-TW" altLang="en-US" smtClean="0"/>
-              <a:t>2023/8/20</a:t>
+              <a:t>2023/9/20</a:t>
             </a:fld>
             <a:endParaRPr lang="zh-TW" altLang="en-US"/>
           </a:p>
@@ -709,7 +709,7 @@
           <a:p>
             <a:fld id="{9449D47F-9350-4D75-8BE7-C25999CDD34D}" type="datetimeFigureOut">
               <a:rPr lang="zh-TW" altLang="en-US" smtClean="0"/>
-              <a:t>2023/8/20</a:t>
+              <a:t>2023/9/20</a:t>
             </a:fld>
             <a:endParaRPr lang="zh-TW" altLang="en-US"/>
           </a:p>
@@ -907,7 +907,7 @@
           <a:p>
             <a:fld id="{9449D47F-9350-4D75-8BE7-C25999CDD34D}" type="datetimeFigureOut">
               <a:rPr lang="zh-TW" altLang="en-US" smtClean="0"/>
-              <a:t>2023/8/20</a:t>
+              <a:t>2023/9/20</a:t>
             </a:fld>
             <a:endParaRPr lang="zh-TW" altLang="en-US"/>
           </a:p>
@@ -1182,7 +1182,7 @@
           <a:p>
             <a:fld id="{9449D47F-9350-4D75-8BE7-C25999CDD34D}" type="datetimeFigureOut">
               <a:rPr lang="zh-TW" altLang="en-US" smtClean="0"/>
-              <a:t>2023/8/20</a:t>
+              <a:t>2023/9/20</a:t>
             </a:fld>
             <a:endParaRPr lang="zh-TW" altLang="en-US"/>
           </a:p>
@@ -1447,7 +1447,7 @@
           <a:p>
             <a:fld id="{9449D47F-9350-4D75-8BE7-C25999CDD34D}" type="datetimeFigureOut">
               <a:rPr lang="zh-TW" altLang="en-US" smtClean="0"/>
-              <a:t>2023/8/20</a:t>
+              <a:t>2023/9/20</a:t>
             </a:fld>
             <a:endParaRPr lang="zh-TW" altLang="en-US"/>
           </a:p>
@@ -1859,7 +1859,7 @@
           <a:p>
             <a:fld id="{9449D47F-9350-4D75-8BE7-C25999CDD34D}" type="datetimeFigureOut">
               <a:rPr lang="zh-TW" altLang="en-US" smtClean="0"/>
-              <a:t>2023/8/20</a:t>
+              <a:t>2023/9/20</a:t>
             </a:fld>
             <a:endParaRPr lang="zh-TW" altLang="en-US"/>
           </a:p>
@@ -2000,7 +2000,7 @@
           <a:p>
             <a:fld id="{9449D47F-9350-4D75-8BE7-C25999CDD34D}" type="datetimeFigureOut">
               <a:rPr lang="zh-TW" altLang="en-US" smtClean="0"/>
-              <a:t>2023/8/20</a:t>
+              <a:t>2023/9/20</a:t>
             </a:fld>
             <a:endParaRPr lang="zh-TW" altLang="en-US"/>
           </a:p>
@@ -2113,7 +2113,7 @@
           <a:p>
             <a:fld id="{9449D47F-9350-4D75-8BE7-C25999CDD34D}" type="datetimeFigureOut">
               <a:rPr lang="zh-TW" altLang="en-US" smtClean="0"/>
-              <a:t>2023/8/20</a:t>
+              <a:t>2023/9/20</a:t>
             </a:fld>
             <a:endParaRPr lang="zh-TW" altLang="en-US"/>
           </a:p>
@@ -2424,7 +2424,7 @@
           <a:p>
             <a:fld id="{9449D47F-9350-4D75-8BE7-C25999CDD34D}" type="datetimeFigureOut">
               <a:rPr lang="zh-TW" altLang="en-US" smtClean="0"/>
-              <a:t>2023/8/20</a:t>
+              <a:t>2023/9/20</a:t>
             </a:fld>
             <a:endParaRPr lang="zh-TW" altLang="en-US"/>
           </a:p>
@@ -2712,7 +2712,7 @@
           <a:p>
             <a:fld id="{9449D47F-9350-4D75-8BE7-C25999CDD34D}" type="datetimeFigureOut">
               <a:rPr lang="zh-TW" altLang="en-US" smtClean="0"/>
-              <a:t>2023/8/20</a:t>
+              <a:t>2023/9/20</a:t>
             </a:fld>
             <a:endParaRPr lang="zh-TW" altLang="en-US"/>
           </a:p>
@@ -2953,7 +2953,7 @@
           <a:p>
             <a:fld id="{9449D47F-9350-4D75-8BE7-C25999CDD34D}" type="datetimeFigureOut">
               <a:rPr lang="zh-TW" altLang="en-US" smtClean="0"/>
-              <a:t>2023/8/20</a:t>
+              <a:t>2023/9/20</a:t>
             </a:fld>
             <a:endParaRPr lang="zh-TW" altLang="en-US"/>
           </a:p>
@@ -13737,7 +13737,15 @@
             </a:r>
             <a:r>
               <a:rPr lang="zh-TW" altLang="en-US" dirty="0"/>
-              <a:t>隔開所構成的元素，美個元素都有一個位置，而個位置是由</a:t>
+              <a:t>隔開所構成的元</a:t>
+            </a:r>
+            <a:r>
+              <a:rPr lang="zh-TW" altLang="en-US"/>
+              <a:t>素，每個</a:t>
+            </a:r>
+            <a:r>
+              <a:rPr lang="zh-TW" altLang="en-US" dirty="0"/>
+              <a:t>元素都有一個位置，而個位置是由</a:t>
             </a:r>
             <a:r>
               <a:rPr lang="en-US" altLang="zh-TW" dirty="0"/>
